--- a/Documentation/Diagrams/Conceptual Framework.pptx
+++ b/Documentation/Diagrams/Conceptual Framework.pptx
@@ -104,6 +104,11 @@
       </a:defRPr>
     </a:lvl9pPr>
   </p:defaultTextStyle>
+  <p:extLst>
+    <p:ext uri="{EFAFB233-063F-42B5-8137-9DF3F51BA10A}">
+      <p15:sldGuideLst xmlns:p15="http://schemas.microsoft.com/office/powerpoint/2012/main"/>
+    </p:ext>
+  </p:extLst>
 </p:presentation>
 </file>
 
@@ -2987,7 +2992,7 @@
         </p:blipFill>
         <p:spPr bwMode="auto">
           <a:xfrm>
-            <a:off x="94525" y="394492"/>
+            <a:off x="120282" y="883890"/>
             <a:ext cx="2422920" cy="2422921"/>
           </a:xfrm>
           <a:prstGeom prst="rect">
@@ -3038,7 +3043,7 @@
         </p:blipFill>
         <p:spPr bwMode="auto">
           <a:xfrm>
-            <a:off x="9827010" y="369024"/>
+            <a:off x="9852767" y="858422"/>
             <a:ext cx="2234363" cy="2237800"/>
           </a:xfrm>
           <a:prstGeom prst="rect">
@@ -3064,7 +3069,7 @@
         </p:nvSpPr>
         <p:spPr>
           <a:xfrm>
-            <a:off x="4436828" y="824079"/>
+            <a:off x="4462585" y="1313477"/>
             <a:ext cx="3457920" cy="4115462"/>
           </a:xfrm>
           <a:prstGeom prst="roundRect">
@@ -3116,7 +3121,7 @@
         </p:nvCxnSpPr>
         <p:spPr>
           <a:xfrm flipH="1">
-            <a:off x="2517445" y="1584099"/>
+            <a:off x="2543202" y="2073497"/>
             <a:ext cx="1919383" cy="0"/>
           </a:xfrm>
           <a:prstGeom prst="straightConnector1">
@@ -3152,7 +3157,7 @@
         </p:nvCxnSpPr>
         <p:spPr>
           <a:xfrm flipH="1">
-            <a:off x="2504566" y="3913030"/>
+            <a:off x="2530323" y="4402428"/>
             <a:ext cx="1919383" cy="0"/>
           </a:xfrm>
           <a:prstGeom prst="straightConnector1">
@@ -3188,7 +3193,7 @@
         </p:nvCxnSpPr>
         <p:spPr>
           <a:xfrm flipH="1">
-            <a:off x="7907627" y="1940414"/>
+            <a:off x="7933384" y="2429812"/>
             <a:ext cx="1919383" cy="0"/>
           </a:xfrm>
           <a:prstGeom prst="straightConnector1">
@@ -3224,7 +3229,7 @@
         </p:nvCxnSpPr>
         <p:spPr>
           <a:xfrm flipH="1">
-            <a:off x="7894748" y="4260758"/>
+            <a:off x="7920505" y="4750156"/>
             <a:ext cx="1919383" cy="0"/>
           </a:xfrm>
           <a:prstGeom prst="straightConnector1">
@@ -3260,7 +3265,7 @@
         </p:nvCxnSpPr>
         <p:spPr>
           <a:xfrm>
-            <a:off x="2517445" y="1957587"/>
+            <a:off x="2543202" y="2446985"/>
             <a:ext cx="1906504" cy="0"/>
           </a:xfrm>
           <a:prstGeom prst="straightConnector1">
@@ -3296,7 +3301,7 @@
         </p:nvCxnSpPr>
         <p:spPr>
           <a:xfrm>
-            <a:off x="2504566" y="4235000"/>
+            <a:off x="2530323" y="4724398"/>
             <a:ext cx="1906504" cy="0"/>
           </a:xfrm>
           <a:prstGeom prst="straightConnector1">
@@ -3332,7 +3337,7 @@
         </p:nvCxnSpPr>
         <p:spPr>
           <a:xfrm>
-            <a:off x="7933385" y="1584099"/>
+            <a:off x="7959142" y="2073497"/>
             <a:ext cx="1906504" cy="0"/>
           </a:xfrm>
           <a:prstGeom prst="straightConnector1">
@@ -3368,7 +3373,7 @@
         </p:nvCxnSpPr>
         <p:spPr>
           <a:xfrm>
-            <a:off x="7907627" y="3938788"/>
+            <a:off x="7933384" y="4428186"/>
             <a:ext cx="1906504" cy="0"/>
           </a:xfrm>
           <a:prstGeom prst="straightConnector1">
@@ -3419,7 +3424,7 @@
         </p:blipFill>
         <p:spPr bwMode="auto">
           <a:xfrm>
-            <a:off x="417903" y="3142445"/>
+            <a:off x="443660" y="3631843"/>
             <a:ext cx="1862568" cy="1938765"/>
           </a:xfrm>
           <a:prstGeom prst="rect">
@@ -3445,7 +3450,7 @@
         </p:nvSpPr>
         <p:spPr>
           <a:xfrm>
-            <a:off x="430782" y="2512476"/>
+            <a:off x="456539" y="3001874"/>
             <a:ext cx="1725769" cy="307777"/>
           </a:xfrm>
           <a:prstGeom prst="rect">
@@ -3480,7 +3485,7 @@
         </p:nvSpPr>
         <p:spPr>
           <a:xfrm>
-            <a:off x="447665" y="5036906"/>
+            <a:off x="473422" y="5526304"/>
             <a:ext cx="1922047" cy="307777"/>
           </a:xfrm>
           <a:prstGeom prst="rect">
@@ -3521,7 +3526,7 @@
         </p:nvSpPr>
         <p:spPr>
           <a:xfrm>
-            <a:off x="9995686" y="2422328"/>
+            <a:off x="10021443" y="2911726"/>
             <a:ext cx="1922047" cy="307777"/>
           </a:xfrm>
           <a:prstGeom prst="rect">
@@ -3556,7 +3561,7 @@
         </p:nvSpPr>
         <p:spPr>
           <a:xfrm>
-            <a:off x="9916803" y="4869480"/>
+            <a:off x="9942560" y="5358878"/>
             <a:ext cx="1922047" cy="307777"/>
           </a:xfrm>
           <a:prstGeom prst="rect">
@@ -3591,7 +3596,7 @@
         </p:nvSpPr>
         <p:spPr>
           <a:xfrm>
-            <a:off x="7920506" y="1966172"/>
+            <a:off x="7946263" y="2455570"/>
             <a:ext cx="2781838" cy="1277273"/>
           </a:xfrm>
           <a:prstGeom prst="rect">
@@ -3606,7 +3611,7 @@
           <a:lstStyle/>
           <a:p>
             <a:r>
-              <a:rPr lang="en-PH" sz="1100" dirty="0" smtClean="0">
+              <a:rPr lang="en-PH" sz="1100" b="1" dirty="0" smtClean="0">
                 <a:latin typeface="Century Gothic" panose="020B0502020202020204" pitchFamily="34" charset="0"/>
               </a:rPr>
               <a:t>Company Information</a:t>
@@ -3614,7 +3619,7 @@
           </a:p>
           <a:p>
             <a:r>
-              <a:rPr lang="en-PH" sz="1100" dirty="0" smtClean="0">
+              <a:rPr lang="en-PH" sz="1100" b="1" dirty="0" smtClean="0">
                 <a:latin typeface="Century Gothic" panose="020B0502020202020204" pitchFamily="34" charset="0"/>
               </a:rPr>
               <a:t>Personal Information</a:t>
@@ -3622,7 +3627,7 @@
           </a:p>
           <a:p>
             <a:r>
-              <a:rPr lang="en-PH" sz="1100" dirty="0" smtClean="0">
+              <a:rPr lang="en-PH" sz="1100" b="1" dirty="0" smtClean="0">
                 <a:latin typeface="Century Gothic" panose="020B0502020202020204" pitchFamily="34" charset="0"/>
               </a:rPr>
               <a:t>Event Proposals &amp;Sponsorships</a:t>
@@ -3630,7 +3635,7 @@
           </a:p>
           <a:p>
             <a:r>
-              <a:rPr lang="en-PH" sz="1100" dirty="0" smtClean="0">
+              <a:rPr lang="en-PH" sz="1100" b="1" dirty="0" smtClean="0">
                 <a:latin typeface="Century Gothic" panose="020B0502020202020204" pitchFamily="34" charset="0"/>
               </a:rPr>
               <a:t>Partner Referrals</a:t>
@@ -3638,19 +3643,19 @@
           </a:p>
           <a:p>
             <a:r>
-              <a:rPr lang="en-PH" sz="1100" dirty="0" smtClean="0">
+              <a:rPr lang="en-PH" sz="1100" b="1" dirty="0" smtClean="0">
                 <a:latin typeface="Century Gothic" panose="020B0502020202020204" pitchFamily="34" charset="0"/>
               </a:rPr>
               <a:t>Donations</a:t>
             </a:r>
           </a:p>
           <a:p>
-            <a:endParaRPr lang="en-PH" sz="1100" dirty="0" smtClean="0">
+            <a:endParaRPr lang="en-PH" sz="1100" b="1" dirty="0" smtClean="0">
               <a:latin typeface="Century Gothic" panose="020B0502020202020204" pitchFamily="34" charset="0"/>
             </a:endParaRPr>
           </a:p>
           <a:p>
-            <a:endParaRPr lang="en-PH" sz="1100" dirty="0">
+            <a:endParaRPr lang="en-PH" sz="1100" b="1" dirty="0">
               <a:latin typeface="Century Gothic" panose="020B0502020202020204" pitchFamily="34" charset="0"/>
             </a:endParaRPr>
           </a:p>
@@ -3664,7 +3669,7 @@
         </p:nvSpPr>
         <p:spPr>
           <a:xfrm>
-            <a:off x="7894747" y="4291173"/>
+            <a:off x="7920504" y="4780571"/>
             <a:ext cx="2781838" cy="600164"/>
           </a:xfrm>
           <a:prstGeom prst="rect">
@@ -3679,7 +3684,7 @@
           <a:lstStyle/>
           <a:p>
             <a:r>
-              <a:rPr lang="en-PH" sz="1100" dirty="0" smtClean="0">
+              <a:rPr lang="en-PH" sz="1100" b="1" dirty="0" smtClean="0">
                 <a:latin typeface="Century Gothic" panose="020B0502020202020204" pitchFamily="34" charset="0"/>
               </a:rPr>
               <a:t>Beneficiary Information</a:t>
@@ -3687,14 +3692,14 @@
           </a:p>
           <a:p>
             <a:r>
-              <a:rPr lang="en-PH" sz="1100" dirty="0" smtClean="0">
+              <a:rPr lang="en-PH" sz="1100" b="1" dirty="0" smtClean="0">
                 <a:latin typeface="Century Gothic" panose="020B0502020202020204" pitchFamily="34" charset="0"/>
               </a:rPr>
               <a:t>Help Requests</a:t>
             </a:r>
           </a:p>
           <a:p>
-            <a:endParaRPr lang="en-PH" sz="1100" dirty="0" smtClean="0">
+            <a:endParaRPr lang="en-PH" sz="1100" b="1" dirty="0" smtClean="0">
               <a:latin typeface="Century Gothic" panose="020B0502020202020204" pitchFamily="34" charset="0"/>
             </a:endParaRPr>
           </a:p>
@@ -3708,7 +3713,7 @@
         </p:nvSpPr>
         <p:spPr>
           <a:xfrm>
-            <a:off x="1682468" y="1989562"/>
+            <a:off x="1708225" y="2478960"/>
             <a:ext cx="2781838" cy="1277273"/>
           </a:xfrm>
           <a:prstGeom prst="rect">
@@ -3724,7 +3729,7 @@
           <a:p>
             <a:pPr algn="r"/>
             <a:r>
-              <a:rPr lang="en-PH" sz="1100" dirty="0" smtClean="0">
+              <a:rPr lang="en-PH" sz="1100" b="1" dirty="0" smtClean="0">
                 <a:latin typeface="Century Gothic" panose="020B0502020202020204" pitchFamily="34" charset="0"/>
               </a:rPr>
               <a:t>Departmental Information</a:t>
@@ -3733,7 +3738,7 @@
           <a:p>
             <a:pPr algn="r"/>
             <a:r>
-              <a:rPr lang="en-PH" sz="1100" dirty="0" smtClean="0">
+              <a:rPr lang="en-PH" sz="1100" b="1" dirty="0" smtClean="0">
                 <a:latin typeface="Century Gothic" panose="020B0502020202020204" pitchFamily="34" charset="0"/>
               </a:rPr>
               <a:t>Approvals</a:t>
@@ -3742,16 +3747,16 @@
           <a:p>
             <a:pPr algn="r"/>
             <a:r>
-              <a:rPr lang="en-PH" sz="1100" dirty="0" smtClean="0">
+              <a:rPr lang="en-PH" sz="1100" b="1" dirty="0" smtClean="0">
                 <a:latin typeface="Century Gothic" panose="020B0502020202020204" pitchFamily="34" charset="0"/>
               </a:rPr>
-              <a:t>Event Schedules &amp; Reports</a:t>
+              <a:t>Event Schedules</a:t>
             </a:r>
           </a:p>
           <a:p>
             <a:pPr algn="r"/>
             <a:r>
-              <a:rPr lang="en-PH" sz="1100" dirty="0" smtClean="0">
+              <a:rPr lang="en-PH" sz="1100" b="1" dirty="0" smtClean="0">
                 <a:latin typeface="Century Gothic" panose="020B0502020202020204" pitchFamily="34" charset="0"/>
               </a:rPr>
               <a:t>Budget Plan</a:t>
@@ -3759,19 +3764,19 @@
           </a:p>
           <a:p>
             <a:pPr algn="r"/>
-            <a:endParaRPr lang="en-PH" sz="1100" dirty="0" smtClean="0">
+            <a:endParaRPr lang="en-PH" sz="1100" b="1" dirty="0" smtClean="0">
               <a:latin typeface="Century Gothic" panose="020B0502020202020204" pitchFamily="34" charset="0"/>
             </a:endParaRPr>
           </a:p>
           <a:p>
             <a:pPr algn="r"/>
-            <a:endParaRPr lang="en-PH" sz="1100" dirty="0" smtClean="0">
+            <a:endParaRPr lang="en-PH" sz="1100" b="1" dirty="0" smtClean="0">
               <a:latin typeface="Century Gothic" panose="020B0502020202020204" pitchFamily="34" charset="0"/>
             </a:endParaRPr>
           </a:p>
           <a:p>
             <a:pPr algn="r"/>
-            <a:endParaRPr lang="en-PH" sz="1100" dirty="0">
+            <a:endParaRPr lang="en-PH" sz="1100" b="1" dirty="0">
               <a:latin typeface="Century Gothic" panose="020B0502020202020204" pitchFamily="34" charset="0"/>
             </a:endParaRPr>
           </a:p>
@@ -3785,7 +3790,7 @@
         </p:nvSpPr>
         <p:spPr>
           <a:xfrm>
-            <a:off x="1629232" y="4296762"/>
+            <a:off x="1654989" y="4786160"/>
             <a:ext cx="2781838" cy="1277273"/>
           </a:xfrm>
           <a:prstGeom prst="rect">
@@ -3801,7 +3806,7 @@
           <a:p>
             <a:pPr algn="r"/>
             <a:r>
-              <a:rPr lang="en-PH" sz="1100" dirty="0" smtClean="0">
+              <a:rPr lang="en-PH" sz="1100" b="1" dirty="0" smtClean="0">
                 <a:latin typeface="Century Gothic" panose="020B0502020202020204" pitchFamily="34" charset="0"/>
               </a:rPr>
               <a:t>Organizational Information</a:t>
@@ -3810,7 +3815,7 @@
           <a:p>
             <a:pPr algn="r"/>
             <a:r>
-              <a:rPr lang="en-PH" sz="1100" dirty="0" smtClean="0">
+              <a:rPr lang="en-PH" sz="1100" b="1" dirty="0" smtClean="0">
                 <a:latin typeface="Century Gothic" panose="020B0502020202020204" pitchFamily="34" charset="0"/>
               </a:rPr>
               <a:t>Personal Information</a:t>
@@ -3819,7 +3824,7 @@
           <a:p>
             <a:pPr algn="r"/>
             <a:r>
-              <a:rPr lang="en-PH" sz="1100" dirty="0" smtClean="0">
+              <a:rPr lang="en-PH" sz="1100" b="1" dirty="0" smtClean="0">
                 <a:latin typeface="Century Gothic" panose="020B0502020202020204" pitchFamily="34" charset="0"/>
               </a:rPr>
               <a:t>Referrals</a:t>
@@ -3828,7 +3833,7 @@
           <a:p>
             <a:pPr algn="r"/>
             <a:r>
-              <a:rPr lang="en-PH" sz="1100" dirty="0" smtClean="0">
+              <a:rPr lang="en-PH" sz="1100" b="1" dirty="0" smtClean="0">
                 <a:latin typeface="Century Gothic" panose="020B0502020202020204" pitchFamily="34" charset="0"/>
               </a:rPr>
               <a:t>Participations &amp; Evaluations</a:t>
@@ -3837,7 +3842,7 @@
           <a:p>
             <a:pPr algn="r"/>
             <a:r>
-              <a:rPr lang="en-PH" sz="1100" dirty="0" smtClean="0">
+              <a:rPr lang="en-PH" sz="1100" b="1" dirty="0" smtClean="0">
                 <a:latin typeface="Century Gothic" panose="020B0502020202020204" pitchFamily="34" charset="0"/>
               </a:rPr>
               <a:t>Donations</a:t>
@@ -3845,13 +3850,13 @@
           </a:p>
           <a:p>
             <a:pPr algn="r"/>
-            <a:endParaRPr lang="en-PH" sz="1100" dirty="0" smtClean="0">
+            <a:endParaRPr lang="en-PH" sz="1100" b="1" dirty="0" smtClean="0">
               <a:latin typeface="Century Gothic" panose="020B0502020202020204" pitchFamily="34" charset="0"/>
             </a:endParaRPr>
           </a:p>
           <a:p>
             <a:pPr algn="r"/>
-            <a:endParaRPr lang="en-PH" sz="1100" dirty="0">
+            <a:endParaRPr lang="en-PH" sz="1100" b="1" dirty="0">
               <a:latin typeface="Century Gothic" panose="020B0502020202020204" pitchFamily="34" charset="0"/>
             </a:endParaRPr>
           </a:p>
@@ -3865,7 +3870,7 @@
         </p:nvSpPr>
         <p:spPr>
           <a:xfrm>
-            <a:off x="7852113" y="627070"/>
+            <a:off x="7877870" y="1116468"/>
             <a:ext cx="2781838" cy="1446550"/>
           </a:xfrm>
           <a:prstGeom prst="rect">
@@ -3880,7 +3885,7 @@
           <a:lstStyle/>
           <a:p>
             <a:r>
-              <a:rPr lang="en-PH" sz="1100" dirty="0" smtClean="0">
+              <a:rPr lang="en-PH" sz="1100" b="1" dirty="0" smtClean="0">
                 <a:latin typeface="Century Gothic" panose="020B0502020202020204" pitchFamily="34" charset="0"/>
               </a:rPr>
               <a:t>Memorandum of Agreement</a:t>
@@ -3888,7 +3893,7 @@
           </a:p>
           <a:p>
             <a:r>
-              <a:rPr lang="en-PH" sz="1100" dirty="0" smtClean="0">
+              <a:rPr lang="en-PH" sz="1100" b="1" dirty="0" smtClean="0">
                 <a:latin typeface="Century Gothic" panose="020B0502020202020204" pitchFamily="34" charset="0"/>
               </a:rPr>
               <a:t>Partner’s Profile</a:t>
@@ -3896,7 +3901,7 @@
           </a:p>
           <a:p>
             <a:r>
-              <a:rPr lang="en-PH" sz="1100" dirty="0" smtClean="0">
+              <a:rPr lang="en-PH" sz="1100" b="1" dirty="0" smtClean="0">
                 <a:latin typeface="Century Gothic" panose="020B0502020202020204" pitchFamily="34" charset="0"/>
               </a:rPr>
               <a:t>Event Schedules &amp; Reports</a:t>
@@ -3904,7 +3909,7 @@
           </a:p>
           <a:p>
             <a:r>
-              <a:rPr lang="en-PH" sz="1100" dirty="0" smtClean="0">
+              <a:rPr lang="en-PH" sz="1100" b="1" dirty="0" smtClean="0">
                 <a:latin typeface="Century Gothic" panose="020B0502020202020204" pitchFamily="34" charset="0"/>
               </a:rPr>
               <a:t>Donors &amp; Beneficiaries Roster</a:t>
@@ -3912,24 +3917,24 @@
           </a:p>
           <a:p>
             <a:r>
-              <a:rPr lang="en-PH" sz="1100" dirty="0" smtClean="0">
+              <a:rPr lang="en-PH" sz="1100" b="1" dirty="0" smtClean="0">
                 <a:latin typeface="Century Gothic" panose="020B0502020202020204" pitchFamily="34" charset="0"/>
               </a:rPr>
               <a:t>Advertisement</a:t>
             </a:r>
           </a:p>
           <a:p>
-            <a:endParaRPr lang="en-PH" sz="1100" dirty="0" smtClean="0">
+            <a:endParaRPr lang="en-PH" sz="1100" b="1" dirty="0" smtClean="0">
               <a:latin typeface="Century Gothic" panose="020B0502020202020204" pitchFamily="34" charset="0"/>
             </a:endParaRPr>
           </a:p>
           <a:p>
-            <a:endParaRPr lang="en-PH" sz="1100" dirty="0" smtClean="0">
+            <a:endParaRPr lang="en-PH" sz="1100" b="1" dirty="0" smtClean="0">
               <a:latin typeface="Century Gothic" panose="020B0502020202020204" pitchFamily="34" charset="0"/>
             </a:endParaRPr>
           </a:p>
           <a:p>
-            <a:endParaRPr lang="en-PH" sz="1100" dirty="0">
+            <a:endParaRPr lang="en-PH" sz="1100" b="1" dirty="0">
               <a:latin typeface="Century Gothic" panose="020B0502020202020204" pitchFamily="34" charset="0"/>
             </a:endParaRPr>
           </a:p>
@@ -3968,7 +3973,7 @@
         </p:blipFill>
         <p:spPr bwMode="auto">
           <a:xfrm>
-            <a:off x="9929682" y="3070083"/>
+            <a:off x="9955439" y="3559481"/>
             <a:ext cx="1919383" cy="1797416"/>
           </a:xfrm>
           <a:prstGeom prst="rect">
@@ -3994,7 +3999,7 @@
         </p:nvSpPr>
         <p:spPr>
           <a:xfrm>
-            <a:off x="7893028" y="3451156"/>
+            <a:off x="7918785" y="3940554"/>
             <a:ext cx="2781838" cy="430887"/>
           </a:xfrm>
           <a:prstGeom prst="rect">
@@ -4009,7 +4014,7 @@
           <a:lstStyle/>
           <a:p>
             <a:r>
-              <a:rPr lang="en-PH" sz="1100" dirty="0" smtClean="0">
+              <a:rPr lang="en-PH" sz="1100" b="1" dirty="0" smtClean="0">
                 <a:latin typeface="Century Gothic" panose="020B0502020202020204" pitchFamily="34" charset="0"/>
               </a:rPr>
               <a:t>Beneficiary Profile</a:t>
@@ -4017,7 +4022,7 @@
           </a:p>
           <a:p>
             <a:r>
-              <a:rPr lang="en-PH" sz="1100" dirty="0" smtClean="0">
+              <a:rPr lang="en-PH" sz="1100" b="1" dirty="0" smtClean="0">
                 <a:latin typeface="Century Gothic" panose="020B0502020202020204" pitchFamily="34" charset="0"/>
               </a:rPr>
               <a:t>Donations</a:t>
@@ -4033,7 +4038,7 @@
         </p:nvSpPr>
         <p:spPr>
           <a:xfrm>
-            <a:off x="1669589" y="3415898"/>
+            <a:off x="1695346" y="3905296"/>
             <a:ext cx="2781838" cy="600164"/>
           </a:xfrm>
           <a:prstGeom prst="rect">
@@ -4049,7 +4054,7 @@
           <a:p>
             <a:pPr algn="r"/>
             <a:r>
-              <a:rPr lang="en-PH" sz="1100" dirty="0" smtClean="0">
+              <a:rPr lang="en-PH" sz="1100" b="1" dirty="0" smtClean="0">
                 <a:latin typeface="Century Gothic" panose="020B0502020202020204" pitchFamily="34" charset="0"/>
               </a:rPr>
               <a:t>Community Profile</a:t>
@@ -4058,7 +4063,7 @@
           <a:p>
             <a:pPr algn="r"/>
             <a:r>
-              <a:rPr lang="en-PH" sz="1100" dirty="0" smtClean="0">
+              <a:rPr lang="en-PH" sz="1100" b="1" dirty="0" smtClean="0">
                 <a:latin typeface="Century Gothic" panose="020B0502020202020204" pitchFamily="34" charset="0"/>
               </a:rPr>
               <a:t>Event Schedules</a:t>
@@ -4066,7 +4071,7 @@
           </a:p>
           <a:p>
             <a:pPr algn="r"/>
-            <a:endParaRPr lang="en-PH" sz="1100" dirty="0">
+            <a:endParaRPr lang="en-PH" sz="1100" b="1" dirty="0">
               <a:latin typeface="Century Gothic" panose="020B0502020202020204" pitchFamily="34" charset="0"/>
             </a:endParaRPr>
           </a:p>
@@ -4080,7 +4085,7 @@
         </p:nvSpPr>
         <p:spPr>
           <a:xfrm>
-            <a:off x="1684746" y="646033"/>
+            <a:off x="1708225" y="1103467"/>
             <a:ext cx="2781838" cy="1277273"/>
           </a:xfrm>
           <a:prstGeom prst="rect">
@@ -4096,7 +4101,7 @@
           <a:p>
             <a:pPr algn="r"/>
             <a:r>
-              <a:rPr lang="en-PH" sz="1100" dirty="0" smtClean="0">
+              <a:rPr lang="en-PH" sz="1100" b="1" dirty="0" smtClean="0">
                 <a:latin typeface="Century Gothic" panose="020B0502020202020204" pitchFamily="34" charset="0"/>
               </a:rPr>
               <a:t>Community Members Roster</a:t>
@@ -4105,7 +4110,7 @@
           <a:p>
             <a:pPr algn="r"/>
             <a:r>
-              <a:rPr lang="en-PH" sz="1100" dirty="0" smtClean="0">
+              <a:rPr lang="en-PH" sz="1100" b="1" dirty="0" smtClean="0">
                 <a:latin typeface="Century Gothic" panose="020B0502020202020204" pitchFamily="34" charset="0"/>
               </a:rPr>
               <a:t>Event Reports &amp; Statistics</a:t>
@@ -4114,16 +4119,7 @@
           <a:p>
             <a:pPr algn="r"/>
             <a:r>
-              <a:rPr lang="en-PH" sz="1100" dirty="0" smtClean="0">
-                <a:latin typeface="Century Gothic" panose="020B0502020202020204" pitchFamily="34" charset="0"/>
-              </a:rPr>
-              <a:t>Help Needed Roster</a:t>
-            </a:r>
-          </a:p>
-          <a:p>
-            <a:pPr algn="r"/>
-            <a:r>
-              <a:rPr lang="en-PH" sz="1100" dirty="0" smtClean="0">
+              <a:rPr lang="en-PH" sz="1100" b="1" dirty="0" smtClean="0">
                 <a:latin typeface="Century Gothic" panose="020B0502020202020204" pitchFamily="34" charset="0"/>
               </a:rPr>
               <a:t>Participants</a:t>
@@ -4132,7 +4128,16 @@
           <a:p>
             <a:pPr algn="r"/>
             <a:r>
-              <a:rPr lang="en-PH" sz="1100" dirty="0" smtClean="0">
+              <a:rPr lang="en-PH" sz="1100" b="1" dirty="0" smtClean="0">
+                <a:latin typeface="Century Gothic" panose="020B0502020202020204" pitchFamily="34" charset="0"/>
+              </a:rPr>
+              <a:t>Referrals</a:t>
+            </a:r>
+          </a:p>
+          <a:p>
+            <a:pPr algn="r"/>
+            <a:r>
+              <a:rPr lang="en-PH" sz="1100" b="1" dirty="0" smtClean="0">
                 <a:latin typeface="Century Gothic" panose="020B0502020202020204" pitchFamily="34" charset="0"/>
               </a:rPr>
               <a:t>Advertisement</a:t>
@@ -4140,13 +4145,13 @@
           </a:p>
           <a:p>
             <a:pPr algn="r"/>
-            <a:endParaRPr lang="en-PH" sz="1100" dirty="0" smtClean="0">
+            <a:endParaRPr lang="en-PH" sz="1100" b="1" dirty="0" smtClean="0">
               <a:latin typeface="Century Gothic" panose="020B0502020202020204" pitchFamily="34" charset="0"/>
             </a:endParaRPr>
           </a:p>
           <a:p>
             <a:pPr algn="r"/>
-            <a:endParaRPr lang="en-PH" sz="1100" dirty="0">
+            <a:endParaRPr lang="en-PH" sz="1100" b="1" dirty="0">
               <a:latin typeface="Century Gothic" panose="020B0502020202020204" pitchFamily="34" charset="0"/>
             </a:endParaRPr>
           </a:p>
@@ -4160,7 +4165,7 @@
         </p:nvSpPr>
         <p:spPr>
           <a:xfrm>
-            <a:off x="4781309" y="4124706"/>
+            <a:off x="4807066" y="4614104"/>
             <a:ext cx="2881621" cy="738664"/>
           </a:xfrm>
           <a:prstGeom prst="rect">
@@ -4187,6 +4192,57 @@
           </a:p>
         </p:txBody>
       </p:sp>
+      <p:pic>
+        <p:nvPicPr>
+          <p:cNvPr id="2" name="Picture 2" descr="https://scontent.fmnl4-4.fna.fbcdn.net/v/t1.15752-9/47217928_855387788185832_3399720172473286656_n.jpg?_nc_cat=100&amp;_nc_ht=scontent.fmnl4-4.fna&amp;oh=e7e10465857fba64b3042faccd33372d&amp;oe=5C6A532A"/>
+          <p:cNvPicPr>
+            <a:picLocks noChangeAspect="1" noChangeArrowheads="1"/>
+          </p:cNvPicPr>
+          <p:nvPr/>
+        </p:nvPicPr>
+        <p:blipFill>
+          <a:blip r:embed="rId6">
+            <a:clrChange>
+              <a:clrFrom>
+                <a:srgbClr val="FFFFFF"/>
+              </a:clrFrom>
+              <a:clrTo>
+                <a:srgbClr val="FFFFFF">
+                  <a:alpha val="0"/>
+                </a:srgbClr>
+              </a:clrTo>
+            </a:clrChange>
+            <a:extLst>
+              <a:ext uri="{28A0092B-C50C-407E-A947-70E740481C1C}">
+                <a14:useLocalDpi xmlns:a14="http://schemas.microsoft.com/office/drawing/2010/main" val="0"/>
+              </a:ext>
+            </a:extLst>
+          </a:blip>
+          <a:srcRect/>
+          <a:stretch>
+            <a:fillRect/>
+          </a:stretch>
+        </p:blipFill>
+        <p:spPr bwMode="auto">
+          <a:xfrm>
+            <a:off x="4029591" y="911090"/>
+            <a:ext cx="4413011" cy="4413012"/>
+          </a:xfrm>
+          <a:prstGeom prst="rect">
+            <a:avLst/>
+          </a:prstGeom>
+          <a:noFill/>
+          <a:extLst>
+            <a:ext uri="{909E8E84-426E-40DD-AFC4-6F175D3DCCD1}">
+              <a14:hiddenFill xmlns:a14="http://schemas.microsoft.com/office/drawing/2010/main">
+                <a:solidFill>
+                  <a:srgbClr val="FFFFFF"/>
+                </a:solidFill>
+              </a14:hiddenFill>
+            </a:ext>
+          </a:extLst>
+        </p:spPr>
+      </p:pic>
     </p:spTree>
     <p:extLst>
       <p:ext uri="{BB962C8B-B14F-4D97-AF65-F5344CB8AC3E}">

--- a/Documentation/Diagrams/Conceptual Framework.pptx
+++ b/Documentation/Diagrams/Conceptual Framework.pptx
@@ -243,7 +243,7 @@
           <a:p>
             <a:fld id="{C957BDA1-9A79-43E2-93E3-6E5793294869}" type="datetimeFigureOut">
               <a:rPr lang="en-PH" smtClean="0"/>
-              <a:t>29/11/2018</a:t>
+              <a:t>09/03/2019</a:t>
             </a:fld>
             <a:endParaRPr lang="en-PH"/>
           </a:p>
@@ -413,7 +413,7 @@
           <a:p>
             <a:fld id="{C957BDA1-9A79-43E2-93E3-6E5793294869}" type="datetimeFigureOut">
               <a:rPr lang="en-PH" smtClean="0"/>
-              <a:t>29/11/2018</a:t>
+              <a:t>09/03/2019</a:t>
             </a:fld>
             <a:endParaRPr lang="en-PH"/>
           </a:p>
@@ -593,7 +593,7 @@
           <a:p>
             <a:fld id="{C957BDA1-9A79-43E2-93E3-6E5793294869}" type="datetimeFigureOut">
               <a:rPr lang="en-PH" smtClean="0"/>
-              <a:t>29/11/2018</a:t>
+              <a:t>09/03/2019</a:t>
             </a:fld>
             <a:endParaRPr lang="en-PH"/>
           </a:p>
@@ -763,7 +763,7 @@
           <a:p>
             <a:fld id="{C957BDA1-9A79-43E2-93E3-6E5793294869}" type="datetimeFigureOut">
               <a:rPr lang="en-PH" smtClean="0"/>
-              <a:t>29/11/2018</a:t>
+              <a:t>09/03/2019</a:t>
             </a:fld>
             <a:endParaRPr lang="en-PH"/>
           </a:p>
@@ -1009,7 +1009,7 @@
           <a:p>
             <a:fld id="{C957BDA1-9A79-43E2-93E3-6E5793294869}" type="datetimeFigureOut">
               <a:rPr lang="en-PH" smtClean="0"/>
-              <a:t>29/11/2018</a:t>
+              <a:t>09/03/2019</a:t>
             </a:fld>
             <a:endParaRPr lang="en-PH"/>
           </a:p>
@@ -1241,7 +1241,7 @@
           <a:p>
             <a:fld id="{C957BDA1-9A79-43E2-93E3-6E5793294869}" type="datetimeFigureOut">
               <a:rPr lang="en-PH" smtClean="0"/>
-              <a:t>29/11/2018</a:t>
+              <a:t>09/03/2019</a:t>
             </a:fld>
             <a:endParaRPr lang="en-PH"/>
           </a:p>
@@ -1608,7 +1608,7 @@
           <a:p>
             <a:fld id="{C957BDA1-9A79-43E2-93E3-6E5793294869}" type="datetimeFigureOut">
               <a:rPr lang="en-PH" smtClean="0"/>
-              <a:t>29/11/2018</a:t>
+              <a:t>09/03/2019</a:t>
             </a:fld>
             <a:endParaRPr lang="en-PH"/>
           </a:p>
@@ -1726,7 +1726,7 @@
           <a:p>
             <a:fld id="{C957BDA1-9A79-43E2-93E3-6E5793294869}" type="datetimeFigureOut">
               <a:rPr lang="en-PH" smtClean="0"/>
-              <a:t>29/11/2018</a:t>
+              <a:t>09/03/2019</a:t>
             </a:fld>
             <a:endParaRPr lang="en-PH"/>
           </a:p>
@@ -1821,7 +1821,7 @@
           <a:p>
             <a:fld id="{C957BDA1-9A79-43E2-93E3-6E5793294869}" type="datetimeFigureOut">
               <a:rPr lang="en-PH" smtClean="0"/>
-              <a:t>29/11/2018</a:t>
+              <a:t>09/03/2019</a:t>
             </a:fld>
             <a:endParaRPr lang="en-PH"/>
           </a:p>
@@ -2098,7 +2098,7 @@
           <a:p>
             <a:fld id="{C957BDA1-9A79-43E2-93E3-6E5793294869}" type="datetimeFigureOut">
               <a:rPr lang="en-PH" smtClean="0"/>
-              <a:t>29/11/2018</a:t>
+              <a:t>09/03/2019</a:t>
             </a:fld>
             <a:endParaRPr lang="en-PH"/>
           </a:p>
@@ -2351,7 +2351,7 @@
           <a:p>
             <a:fld id="{C957BDA1-9A79-43E2-93E3-6E5793294869}" type="datetimeFigureOut">
               <a:rPr lang="en-PH" smtClean="0"/>
-              <a:t>29/11/2018</a:t>
+              <a:t>09/03/2019</a:t>
             </a:fld>
             <a:endParaRPr lang="en-PH"/>
           </a:p>
@@ -2564,7 +2564,7 @@
           <a:p>
             <a:fld id="{C957BDA1-9A79-43E2-93E3-6E5793294869}" type="datetimeFigureOut">
               <a:rPr lang="en-PH" smtClean="0"/>
-              <a:t>29/11/2018</a:t>
+              <a:t>09/03/2019</a:t>
             </a:fld>
             <a:endParaRPr lang="en-PH"/>
           </a:p>
@@ -3501,16 +3501,10 @@
           <a:p>
             <a:pPr algn="ctr"/>
             <a:r>
-              <a:rPr lang="en-PH" sz="1400" b="1" dirty="0" err="1" smtClean="0">
-                <a:latin typeface="Century Gothic" panose="020B0502020202020204" pitchFamily="34" charset="0"/>
-              </a:rPr>
-              <a:t>SSCRdC</a:t>
-            </a:r>
-            <a:r>
               <a:rPr lang="en-PH" sz="1400" b="1" dirty="0" smtClean="0">
                 <a:latin typeface="Century Gothic" panose="020B0502020202020204" pitchFamily="34" charset="0"/>
               </a:rPr>
-              <a:t> Community</a:t>
+              <a:t>Volunteers</a:t>
             </a:r>
             <a:endParaRPr lang="en-PH" sz="1400" b="1" dirty="0">
               <a:latin typeface="Century Gothic" panose="020B0502020202020204" pitchFamily="34" charset="0"/>
@@ -3545,7 +3539,7 @@
               <a:rPr lang="en-PH" sz="1400" b="1" dirty="0" smtClean="0">
                 <a:latin typeface="Century Gothic" panose="020B0502020202020204" pitchFamily="34" charset="0"/>
               </a:rPr>
-              <a:t>Partners &amp; Linkages</a:t>
+              <a:t>Linkages</a:t>
             </a:r>
             <a:endParaRPr lang="en-PH" sz="1400" b="1" dirty="0">
               <a:latin typeface="Century Gothic" panose="020B0502020202020204" pitchFamily="34" charset="0"/>
@@ -3580,7 +3574,7 @@
               <a:rPr lang="en-PH" sz="1400" b="1" dirty="0" smtClean="0">
                 <a:latin typeface="Century Gothic" panose="020B0502020202020204" pitchFamily="34" charset="0"/>
               </a:rPr>
-              <a:t>Beneficiaries</a:t>
+              <a:t>Communities</a:t>
             </a:r>
             <a:endParaRPr lang="en-PH" sz="1400" b="1" dirty="0">
               <a:latin typeface="Century Gothic" panose="020B0502020202020204" pitchFamily="34" charset="0"/>
@@ -3630,16 +3624,28 @@
               <a:rPr lang="en-PH" sz="1100" b="1" dirty="0" smtClean="0">
                 <a:latin typeface="Century Gothic" panose="020B0502020202020204" pitchFamily="34" charset="0"/>
               </a:rPr>
-              <a:t>Event Proposals &amp;Sponsorships</a:t>
-            </a:r>
-          </a:p>
-          <a:p>
+              <a:t>Event Proposals </a:t>
+            </a:r>
             <a:r>
               <a:rPr lang="en-PH" sz="1100" b="1" dirty="0" smtClean="0">
                 <a:latin typeface="Century Gothic" panose="020B0502020202020204" pitchFamily="34" charset="0"/>
               </a:rPr>
-              <a:t>Partner Referrals</a:t>
-            </a:r>
+              <a:t>&amp; Sponsorships</a:t>
+            </a:r>
+            <a:endParaRPr lang="en-PH" sz="1100" b="1" dirty="0" smtClean="0">
+              <a:latin typeface="Century Gothic" panose="020B0502020202020204" pitchFamily="34" charset="0"/>
+            </a:endParaRPr>
+          </a:p>
+          <a:p>
+            <a:r>
+              <a:rPr lang="en-PH" sz="1100" b="1" dirty="0" smtClean="0">
+                <a:latin typeface="Century Gothic" panose="020B0502020202020204" pitchFamily="34" charset="0"/>
+              </a:rPr>
+              <a:t>Referrals</a:t>
+            </a:r>
+            <a:endParaRPr lang="en-PH" sz="1100" b="1" dirty="0" smtClean="0">
+              <a:latin typeface="Century Gothic" panose="020B0502020202020204" pitchFamily="34" charset="0"/>
+            </a:endParaRPr>
           </a:p>
           <a:p>
             <a:r>
@@ -3670,7 +3676,7 @@
         <p:spPr>
           <a:xfrm>
             <a:off x="7920504" y="4780571"/>
-            <a:ext cx="2781838" cy="600164"/>
+            <a:ext cx="2781838" cy="769441"/>
           </a:xfrm>
           <a:prstGeom prst="rect">
             <a:avLst/>
@@ -3687,16 +3693,30 @@
               <a:rPr lang="en-PH" sz="1100" b="1" dirty="0" smtClean="0">
                 <a:latin typeface="Century Gothic" panose="020B0502020202020204" pitchFamily="34" charset="0"/>
               </a:rPr>
-              <a:t>Beneficiary Information</a:t>
-            </a:r>
-          </a:p>
-          <a:p>
+              <a:t>Community </a:t>
+            </a:r>
             <a:r>
               <a:rPr lang="en-PH" sz="1100" b="1" dirty="0" smtClean="0">
                 <a:latin typeface="Century Gothic" panose="020B0502020202020204" pitchFamily="34" charset="0"/>
               </a:rPr>
-              <a:t>Help Requests</a:t>
-            </a:r>
+              <a:t>Information</a:t>
+            </a:r>
+            <a:endParaRPr lang="en-PH" sz="1100" b="1" dirty="0" smtClean="0">
+              <a:latin typeface="Century Gothic" panose="020B0502020202020204" pitchFamily="34" charset="0"/>
+            </a:endParaRPr>
+          </a:p>
+          <a:p>
+            <a:r>
+              <a:rPr lang="en-PH" sz="1100" b="1" dirty="0" smtClean="0">
+                <a:latin typeface="Century Gothic" panose="020B0502020202020204" pitchFamily="34" charset="0"/>
+              </a:rPr>
+              <a:t>Event Participants</a:t>
+            </a:r>
+          </a:p>
+          <a:p>
+            <a:endParaRPr lang="en-PH" sz="1100" b="1" dirty="0" smtClean="0">
+              <a:latin typeface="Century Gothic" panose="020B0502020202020204" pitchFamily="34" charset="0"/>
+            </a:endParaRPr>
           </a:p>
           <a:p>
             <a:endParaRPr lang="en-PH" sz="1100" b="1" dirty="0" smtClean="0">
@@ -3896,7 +3916,19 @@
               <a:rPr lang="en-PH" sz="1100" b="1" dirty="0" smtClean="0">
                 <a:latin typeface="Century Gothic" panose="020B0502020202020204" pitchFamily="34" charset="0"/>
               </a:rPr>
-              <a:t>Partner’s Profile</a:t>
+              <a:t>Linkage</a:t>
+            </a:r>
+            <a:r>
+              <a:rPr lang="en-PH" sz="1100" b="1" dirty="0" smtClean="0">
+                <a:latin typeface="Century Gothic" panose="020B0502020202020204" pitchFamily="34" charset="0"/>
+              </a:rPr>
+              <a:t>’s </a:t>
+            </a:r>
+            <a:r>
+              <a:rPr lang="en-PH" sz="1100" b="1" dirty="0" smtClean="0">
+                <a:latin typeface="Century Gothic" panose="020B0502020202020204" pitchFamily="34" charset="0"/>
+              </a:rPr>
+              <a:t>Profile</a:t>
             </a:r>
           </a:p>
           <a:p>
@@ -3912,7 +3944,13 @@
               <a:rPr lang="en-PH" sz="1100" b="1" dirty="0" smtClean="0">
                 <a:latin typeface="Century Gothic" panose="020B0502020202020204" pitchFamily="34" charset="0"/>
               </a:rPr>
-              <a:t>Donors &amp; Beneficiaries Roster</a:t>
+              <a:t>Communities </a:t>
+            </a:r>
+            <a:r>
+              <a:rPr lang="en-PH" sz="1100" b="1" dirty="0" smtClean="0">
+                <a:latin typeface="Century Gothic" panose="020B0502020202020204" pitchFamily="34" charset="0"/>
+              </a:rPr>
+              <a:t>Roster</a:t>
             </a:r>
           </a:p>
           <a:p>
@@ -4038,8 +4076,8 @@
         </p:nvSpPr>
         <p:spPr>
           <a:xfrm>
-            <a:off x="1695346" y="3905296"/>
-            <a:ext cx="2781838" cy="600164"/>
+            <a:off x="1695346" y="3765596"/>
+            <a:ext cx="2781838" cy="769441"/>
           </a:xfrm>
           <a:prstGeom prst="rect">
             <a:avLst/>
@@ -4057,8 +4095,20 @@
               <a:rPr lang="en-PH" sz="1100" b="1" dirty="0" smtClean="0">
                 <a:latin typeface="Century Gothic" panose="020B0502020202020204" pitchFamily="34" charset="0"/>
               </a:rPr>
-              <a:t>Community Profile</a:t>
-            </a:r>
+              <a:t>Personal Profile</a:t>
+            </a:r>
+          </a:p>
+          <a:p>
+            <a:pPr algn="r"/>
+            <a:r>
+              <a:rPr lang="en-PH" sz="1100" b="1" dirty="0" smtClean="0">
+                <a:latin typeface="Century Gothic" panose="020B0502020202020204" pitchFamily="34" charset="0"/>
+              </a:rPr>
+              <a:t>Communities &amp; Linkages Roster</a:t>
+            </a:r>
+            <a:endParaRPr lang="en-PH" sz="1100" b="1" dirty="0" smtClean="0">
+              <a:latin typeface="Century Gothic" panose="020B0502020202020204" pitchFamily="34" charset="0"/>
+            </a:endParaRPr>
           </a:p>
           <a:p>
             <a:pPr algn="r"/>
@@ -4085,8 +4135,8 @@
         </p:nvSpPr>
         <p:spPr>
           <a:xfrm>
-            <a:off x="1708225" y="1103467"/>
-            <a:ext cx="2781838" cy="1277273"/>
+            <a:off x="1708225" y="824067"/>
+            <a:ext cx="2781838" cy="1446550"/>
           </a:xfrm>
           <a:prstGeom prst="rect">
             <a:avLst/>
@@ -4104,8 +4154,11 @@
               <a:rPr lang="en-PH" sz="1100" b="1" dirty="0" smtClean="0">
                 <a:latin typeface="Century Gothic" panose="020B0502020202020204" pitchFamily="34" charset="0"/>
               </a:rPr>
-              <a:t>Community Members Roster</a:t>
-            </a:r>
+              <a:t> Users Roster</a:t>
+            </a:r>
+            <a:endParaRPr lang="en-PH" sz="1100" b="1" dirty="0" smtClean="0">
+              <a:latin typeface="Century Gothic" panose="020B0502020202020204" pitchFamily="34" charset="0"/>
+            </a:endParaRPr>
           </a:p>
           <a:p>
             <a:pPr algn="r"/>
@@ -4145,6 +4198,21 @@
           </a:p>
           <a:p>
             <a:pPr algn="r"/>
+            <a:r>
+              <a:rPr lang="en-PH" sz="1100" b="1" dirty="0" smtClean="0">
+                <a:latin typeface="Century Gothic" panose="020B0502020202020204" pitchFamily="34" charset="0"/>
+              </a:rPr>
+              <a:t>Donations</a:t>
+            </a:r>
+          </a:p>
+          <a:p>
+            <a:pPr algn="r"/>
+            <a:r>
+              <a:rPr lang="en-PH" sz="1100" b="1" dirty="0" smtClean="0">
+                <a:latin typeface="Century Gothic" panose="020B0502020202020204" pitchFamily="34" charset="0"/>
+              </a:rPr>
+              <a:t>Inventory</a:t>
+            </a:r>
             <a:endParaRPr lang="en-PH" sz="1100" b="1" dirty="0" smtClean="0">
               <a:latin typeface="Century Gothic" panose="020B0502020202020204" pitchFamily="34" charset="0"/>
             </a:endParaRPr>
